--- a/2104转正/定稿/述职报告_刘晓敏.pptx
+++ b/2104转正/定稿/述职报告_刘晓敏.pptx
@@ -13108,7 +13108,7 @@
         </p:nvSpPr>
         <p:spPr bwMode="auto">
           <a:xfrm>
-            <a:off x="7619972" y="2038235"/>
+            <a:off x="7784593" y="2451883"/>
             <a:ext cx="4637416" cy="695567"/>
           </a:xfrm>
           <a:prstGeom prst="rect">
